--- a/Travel Experts.pptx
+++ b/Travel Experts.pptx
@@ -8739,7 +8739,7 @@
           <a:p>
             <a:fld id="{9AEA06F1-B57D-406B-8F09-B1FDC0D0B1F3}" type="datetimeFigureOut">
               <a:rPr lang="en-US" smtClean="0"/>
-              <a:t>2/18/2020</a:t>
+              <a:t>2/19/2020</a:t>
             </a:fld>
             <a:endParaRPr lang="en-US" dirty="0"/>
           </a:p>
@@ -8916,7 +8916,7 @@
           <a:p>
             <a:fld id="{4237F2BD-238E-42D0-B670-F788A50DBDE8}" type="datetimeFigureOut">
               <a:rPr lang="en-US" smtClean="0"/>
-              <a:t>2/18/2020</a:t>
+              <a:t>2/19/2020</a:t>
             </a:fld>
             <a:endParaRPr lang="en-US" dirty="0"/>
           </a:p>
@@ -10049,7 +10049,7 @@
           <a:p>
             <a:fld id="{9AB3A824-1A51-4B26-AD58-A6D8E14F6C04}" type="datetimeFigureOut">
               <a:rPr lang="en-US" noProof="0" smtClean="0"/>
-              <a:t>2/18/2020</a:t>
+              <a:t>2/19/2020</a:t>
             </a:fld>
             <a:endParaRPr lang="en-US" noProof="0" dirty="0"/>
           </a:p>
@@ -10272,7 +10272,7 @@
           <a:p>
             <a:fld id="{D857E33E-8B18-4087-B112-809917729534}" type="datetimeFigureOut">
               <a:rPr lang="en-US" noProof="0" smtClean="0"/>
-              <a:t>2/18/2020</a:t>
+              <a:t>2/19/2020</a:t>
             </a:fld>
             <a:endParaRPr lang="en-US" noProof="0" dirty="0"/>
           </a:p>
@@ -10454,7 +10454,7 @@
           <a:p>
             <a:fld id="{D3FFE419-2371-464F-8239-3959401C3561}" type="datetimeFigureOut">
               <a:rPr lang="en-US" noProof="0" smtClean="0"/>
-              <a:t>2/18/2020</a:t>
+              <a:t>2/19/2020</a:t>
             </a:fld>
             <a:endParaRPr lang="en-US" noProof="0" dirty="0"/>
           </a:p>
@@ -10626,7 +10626,7 @@
           <a:p>
             <a:fld id="{97D162C4-EDD9-4389-A98B-B87ECEA2A816}" type="datetimeFigureOut">
               <a:rPr lang="en-US" noProof="0" smtClean="0"/>
-              <a:t>2/18/2020</a:t>
+              <a:t>2/19/2020</a:t>
             </a:fld>
             <a:endParaRPr lang="en-US" noProof="0" dirty="0"/>
           </a:p>
@@ -10880,7 +10880,7 @@
           <a:p>
             <a:fld id="{3E5059C3-6A89-4494-99FF-5A4D6FFD50EB}" type="datetimeFigureOut">
               <a:rPr lang="en-US" noProof="0" smtClean="0"/>
-              <a:t>2/18/2020</a:t>
+              <a:t>2/19/2020</a:t>
             </a:fld>
             <a:endParaRPr lang="en-US" noProof="0" dirty="0"/>
           </a:p>
@@ -11204,7 +11204,7 @@
           <a:p>
             <a:fld id="{CA954B2F-12DE-47F5-8894-472B206D2E1E}" type="datetimeFigureOut">
               <a:rPr lang="en-US" noProof="0" smtClean="0"/>
-              <a:t>2/18/2020</a:t>
+              <a:t>2/19/2020</a:t>
             </a:fld>
             <a:endParaRPr lang="en-US" noProof="0" dirty="0"/>
           </a:p>
@@ -11629,7 +11629,7 @@
           <a:p>
             <a:fld id="{3CBC1C18-307B-4F68-A007-B5B542270E8D}" type="datetimeFigureOut">
               <a:rPr lang="en-US" noProof="0" smtClean="0"/>
-              <a:t>2/18/2020</a:t>
+              <a:t>2/19/2020</a:t>
             </a:fld>
             <a:endParaRPr lang="en-US" noProof="0" dirty="0"/>
           </a:p>
@@ -11752,7 +11752,7 @@
           <a:p>
             <a:fld id="{1FAF3416-4057-4DAA-829D-4CA07428D088}" type="datetimeFigureOut">
               <a:rPr lang="en-US" noProof="0" smtClean="0"/>
-              <a:t>2/18/2020</a:t>
+              <a:t>2/19/2020</a:t>
             </a:fld>
             <a:endParaRPr lang="en-US" noProof="0" dirty="0"/>
           </a:p>
@@ -11851,7 +11851,7 @@
           <a:p>
             <a:fld id="{921D9284-D300-4297-87F7-E791DCC15DB1}" type="datetimeFigureOut">
               <a:rPr lang="en-US" noProof="0" smtClean="0"/>
-              <a:t>2/18/2020</a:t>
+              <a:t>2/19/2020</a:t>
             </a:fld>
             <a:endParaRPr lang="en-US" noProof="0" dirty="0"/>
           </a:p>
@@ -12143,7 +12143,7 @@
           <a:p>
             <a:fld id="{37D525BB-DA17-4BA0-B3C8-3AC3ABC827E6}" type="datetimeFigureOut">
               <a:rPr lang="en-US" noProof="0" smtClean="0"/>
-              <a:t>2/18/2020</a:t>
+              <a:t>2/19/2020</a:t>
             </a:fld>
             <a:endParaRPr lang="en-US" noProof="0" dirty="0"/>
           </a:p>
@@ -12418,7 +12418,7 @@
           <a:p>
             <a:fld id="{B16C4C9A-3960-41CF-A4E9-2A8FB932454B}" type="datetimeFigureOut">
               <a:rPr lang="en-US" noProof="0" smtClean="0"/>
-              <a:t>2/18/2020</a:t>
+              <a:t>2/19/2020</a:t>
             </a:fld>
             <a:endParaRPr lang="en-US" noProof="0" dirty="0"/>
           </a:p>
@@ -12674,7 +12674,7 @@
           <a:p>
             <a:fld id="{3CBC1C18-307B-4F68-A007-B5B542270E8D}" type="datetimeFigureOut">
               <a:rPr lang="en-US" noProof="0" smtClean="0"/>
-              <a:t>2/18/2020</a:t>
+              <a:t>2/19/2020</a:t>
             </a:fld>
             <a:endParaRPr lang="en-US" noProof="0" dirty="0"/>
           </a:p>
@@ -13758,7 +13758,15 @@
           <a:p>
             <a:r>
               <a:rPr lang="en-US" sz="3200" dirty="0"/>
-              <a:t>Easy interoperability and integration of solutions</a:t>
+              <a:t>Easy and reliable integration of both Agent </a:t>
+            </a:r>
+            <a:r>
+              <a:rPr lang="en-US" sz="3200"/>
+              <a:t>and Client facing </a:t>
+            </a:r>
+            <a:r>
+              <a:rPr lang="en-US" sz="3200" dirty="0"/>
+              <a:t>solutions</a:t>
             </a:r>
           </a:p>
           <a:p>
@@ -15222,15 +15230,6 @@
 </file>
 
 <file path=customXml/item2.xml><?xml version="1.0" encoding="utf-8"?>
-<?mso-contentType ?>
-<FormTemplates xmlns="http://schemas.microsoft.com/sharepoint/v3/contenttype/forms">
-  <Display>DocumentLibraryForm</Display>
-  <Edit>DocumentLibraryForm</Edit>
-  <New>DocumentLibraryForm</New>
-</FormTemplates>
-</file>
-
-<file path=customXml/item3.xml><?xml version="1.0" encoding="utf-8"?>
 <ct:contentTypeSchema xmlns:ct="http://schemas.microsoft.com/office/2006/metadata/contentType" xmlns:ma="http://schemas.microsoft.com/office/2006/metadata/properties/metaAttributes" ct:_="" ma:_="" ma:contentTypeName="Document" ma:contentTypeID="0x01010079F111ED35F8CC479449609E8A0923A6" ma:contentTypeVersion="12" ma:contentTypeDescription="Create a new document." ma:contentTypeScope="" ma:versionID="b385d60f68dd989dca1fdc827799d853">
   <xsd:schema xmlns:xsd="http://www.w3.org/2001/XMLSchema" xmlns:xs="http://www.w3.org/2001/XMLSchema" xmlns:p="http://schemas.microsoft.com/office/2006/metadata/properties" xmlns:ns2="71af3243-3dd4-4a8d-8c0d-dd76da1f02a5" xmlns:ns3="16c05727-aa75-4e4a-9b5f-8a80a1165891" targetNamespace="http://schemas.microsoft.com/office/2006/metadata/properties" ma:root="true" ma:fieldsID="1911b479caf7b199da365455750e4572" ns2:_="" ns3:_="">
     <xsd:import namespace="71af3243-3dd4-4a8d-8c0d-dd76da1f02a5"/>
@@ -15451,6 +15450,15 @@
 </ct:contentTypeSchema>
 </file>
 
+<file path=customXml/item3.xml><?xml version="1.0" encoding="utf-8"?>
+<?mso-contentType ?>
+<FormTemplates xmlns="http://schemas.microsoft.com/sharepoint/v3/contenttype/forms">
+  <Display>DocumentLibraryForm</Display>
+  <Edit>DocumentLibraryForm</Edit>
+  <New>DocumentLibraryForm</New>
+</FormTemplates>
+</file>
+
 <file path=customXml/itemProps1.xml><?xml version="1.0" encoding="utf-8"?>
 <ds:datastoreItem xmlns:ds="http://schemas.openxmlformats.org/officeDocument/2006/customXml" ds:itemID="{9557C456-CC1D-4991-B397-26B0CCF834E5}">
   <ds:schemaRefs>
@@ -15469,14 +15477,6 @@
 </file>
 
 <file path=customXml/itemProps2.xml><?xml version="1.0" encoding="utf-8"?>
-<ds:datastoreItem xmlns:ds="http://schemas.openxmlformats.org/officeDocument/2006/customXml" ds:itemID="{05AD055F-6A08-4727-8DB8-D3FD1D1AA779}">
-  <ds:schemaRefs>
-    <ds:schemaRef ds:uri="http://schemas.microsoft.com/sharepoint/v3/contenttype/forms"/>
-  </ds:schemaRefs>
-</ds:datastoreItem>
-</file>
-
-<file path=customXml/itemProps3.xml><?xml version="1.0" encoding="utf-8"?>
 <ds:datastoreItem xmlns:ds="http://schemas.openxmlformats.org/officeDocument/2006/customXml" ds:itemID="{130FAE8E-18A7-4D4B-B1D5-F068BB36F491}">
   <ds:schemaRefs>
     <ds:schemaRef ds:uri="http://schemas.microsoft.com/office/2006/metadata/contentType"/>
@@ -15493,4 +15493,12 @@
     <ds:schemaRef ds:uri="http://schemas.microsoft.com/internal/obd"/>
   </ds:schemaRefs>
 </ds:datastoreItem>
+</file>
+
+<file path=customXml/itemProps3.xml><?xml version="1.0" encoding="utf-8"?>
+<ds:datastoreItem xmlns:ds="http://schemas.openxmlformats.org/officeDocument/2006/customXml" ds:itemID="{05AD055F-6A08-4727-8DB8-D3FD1D1AA779}">
+  <ds:schemaRefs>
+    <ds:schemaRef ds:uri="http://schemas.microsoft.com/sharepoint/v3/contenttype/forms"/>
+  </ds:schemaRefs>
+</ds:datastoreItem>
 </file>